--- a/labs/lab2.pptx
+++ b/labs/lab2.pptx
@@ -4,8 +4,18 @@
   <p:sldMasterIdLst>
     <p:sldMasterId id="2147483648" r:id="rId1"/>
   </p:sldMasterIdLst>
+  <p:notesMasterIdLst>
+    <p:notesMasterId r:id="rId10"/>
+  </p:notesMasterIdLst>
   <p:sldIdLst>
     <p:sldId id="256" r:id="rId2"/>
+    <p:sldId id="257" r:id="rId3"/>
+    <p:sldId id="258" r:id="rId4"/>
+    <p:sldId id="259" r:id="rId5"/>
+    <p:sldId id="260" r:id="rId6"/>
+    <p:sldId id="261" r:id="rId7"/>
+    <p:sldId id="263" r:id="rId8"/>
+    <p:sldId id="262" r:id="rId9"/>
   </p:sldIdLst>
   <p:sldSz cx="12192000" cy="6858000"/>
   <p:notesSz cx="6858000" cy="9144000"/>
@@ -107,6 +117,355 @@
 </p:presentation>
 </file>
 
+<file path=ppt/notesMasters/notesMaster1.xml><?xml version="1.0" encoding="utf-8"?>
+<p:notesMaster xmlns:a="http://schemas.openxmlformats.org/drawingml/2006/main" xmlns:r="http://schemas.openxmlformats.org/officeDocument/2006/relationships" xmlns:p="http://schemas.openxmlformats.org/presentationml/2006/main">
+  <p:cSld>
+    <p:bg>
+      <p:bgRef idx="1001">
+        <a:schemeClr val="bg1"/>
+      </p:bgRef>
+    </p:bg>
+    <p:spTree>
+      <p:nvGrpSpPr>
+        <p:cNvPr id="1" name=""/>
+        <p:cNvGrpSpPr/>
+        <p:nvPr/>
+      </p:nvGrpSpPr>
+      <p:grpSpPr>
+        <a:xfrm>
+          <a:off x="0" y="0"/>
+          <a:ext cx="0" cy="0"/>
+          <a:chOff x="0" y="0"/>
+          <a:chExt cx="0" cy="0"/>
+        </a:xfrm>
+      </p:grpSpPr>
+      <p:sp>
+        <p:nvSpPr>
+          <p:cNvPr id="2" name="Header Placeholder 1"/>
+          <p:cNvSpPr>
+            <a:spLocks noGrp="1"/>
+          </p:cNvSpPr>
+          <p:nvPr>
+            <p:ph type="hdr" sz="quarter"/>
+          </p:nvPr>
+        </p:nvSpPr>
+        <p:spPr>
+          <a:xfrm>
+            <a:off x="0" y="0"/>
+            <a:ext cx="2971800" cy="458788"/>
+          </a:xfrm>
+          <a:prstGeom prst="rect">
+            <a:avLst/>
+          </a:prstGeom>
+        </p:spPr>
+        <p:txBody>
+          <a:bodyPr vert="horz" lIns="91440" tIns="45720" rIns="91440" bIns="45720" rtlCol="0"/>
+          <a:lstStyle>
+            <a:lvl1pPr algn="l">
+              <a:defRPr sz="1200"/>
+            </a:lvl1pPr>
+          </a:lstStyle>
+          <a:p>
+            <a:endParaRPr lang="en-US"/>
+          </a:p>
+        </p:txBody>
+      </p:sp>
+      <p:sp>
+        <p:nvSpPr>
+          <p:cNvPr id="3" name="Date Placeholder 2"/>
+          <p:cNvSpPr>
+            <a:spLocks noGrp="1"/>
+          </p:cNvSpPr>
+          <p:nvPr>
+            <p:ph type="dt" idx="1"/>
+          </p:nvPr>
+        </p:nvSpPr>
+        <p:spPr>
+          <a:xfrm>
+            <a:off x="3884613" y="0"/>
+            <a:ext cx="2971800" cy="458788"/>
+          </a:xfrm>
+          <a:prstGeom prst="rect">
+            <a:avLst/>
+          </a:prstGeom>
+        </p:spPr>
+        <p:txBody>
+          <a:bodyPr vert="horz" lIns="91440" tIns="45720" rIns="91440" bIns="45720" rtlCol="0"/>
+          <a:lstStyle>
+            <a:lvl1pPr algn="r">
+              <a:defRPr sz="1200"/>
+            </a:lvl1pPr>
+          </a:lstStyle>
+          <a:p>
+            <a:fld id="{BD0EB3B0-022D-4040-A3E9-D6B9F491A18E}" type="datetimeFigureOut">
+              <a:rPr lang="en-US" smtClean="0"/>
+              <a:t>9/14/21</a:t>
+            </a:fld>
+            <a:endParaRPr lang="en-US"/>
+          </a:p>
+        </p:txBody>
+      </p:sp>
+      <p:sp>
+        <p:nvSpPr>
+          <p:cNvPr id="4" name="Slide Image Placeholder 3"/>
+          <p:cNvSpPr>
+            <a:spLocks noGrp="1" noRot="1" noChangeAspect="1"/>
+          </p:cNvSpPr>
+          <p:nvPr>
+            <p:ph type="sldImg" idx="2"/>
+          </p:nvPr>
+        </p:nvSpPr>
+        <p:spPr>
+          <a:xfrm>
+            <a:off x="685800" y="1143000"/>
+            <a:ext cx="5486400" cy="3086100"/>
+          </a:xfrm>
+          <a:prstGeom prst="rect">
+            <a:avLst/>
+          </a:prstGeom>
+          <a:noFill/>
+          <a:ln w="12700">
+            <a:solidFill>
+              <a:prstClr val="black"/>
+            </a:solidFill>
+          </a:ln>
+        </p:spPr>
+        <p:txBody>
+          <a:bodyPr vert="horz" lIns="91440" tIns="45720" rIns="91440" bIns="45720" rtlCol="0" anchor="ctr"/>
+          <a:lstStyle/>
+          <a:p>
+            <a:endParaRPr lang="en-US"/>
+          </a:p>
+        </p:txBody>
+      </p:sp>
+      <p:sp>
+        <p:nvSpPr>
+          <p:cNvPr id="5" name="Notes Placeholder 4"/>
+          <p:cNvSpPr>
+            <a:spLocks noGrp="1"/>
+          </p:cNvSpPr>
+          <p:nvPr>
+            <p:ph type="body" sz="quarter" idx="3"/>
+          </p:nvPr>
+        </p:nvSpPr>
+        <p:spPr>
+          <a:xfrm>
+            <a:off x="685800" y="4400550"/>
+            <a:ext cx="5486400" cy="3600450"/>
+          </a:xfrm>
+          <a:prstGeom prst="rect">
+            <a:avLst/>
+          </a:prstGeom>
+        </p:spPr>
+        <p:txBody>
+          <a:bodyPr vert="horz" lIns="91440" tIns="45720" rIns="91440" bIns="45720" rtlCol="0"/>
+          <a:lstStyle/>
+          <a:p>
+            <a:pPr lvl="0"/>
+            <a:r>
+              <a:rPr lang="en-US"/>
+              <a:t>Click to edit Master text styles</a:t>
+            </a:r>
+          </a:p>
+          <a:p>
+            <a:pPr lvl="1"/>
+            <a:r>
+              <a:rPr lang="en-US"/>
+              <a:t>Second level</a:t>
+            </a:r>
+          </a:p>
+          <a:p>
+            <a:pPr lvl="2"/>
+            <a:r>
+              <a:rPr lang="en-US"/>
+              <a:t>Third level</a:t>
+            </a:r>
+          </a:p>
+          <a:p>
+            <a:pPr lvl="3"/>
+            <a:r>
+              <a:rPr lang="en-US"/>
+              <a:t>Fourth level</a:t>
+            </a:r>
+          </a:p>
+          <a:p>
+            <a:pPr lvl="4"/>
+            <a:r>
+              <a:rPr lang="en-US"/>
+              <a:t>Fifth level</a:t>
+            </a:r>
+          </a:p>
+        </p:txBody>
+      </p:sp>
+      <p:sp>
+        <p:nvSpPr>
+          <p:cNvPr id="6" name="Footer Placeholder 5"/>
+          <p:cNvSpPr>
+            <a:spLocks noGrp="1"/>
+          </p:cNvSpPr>
+          <p:nvPr>
+            <p:ph type="ftr" sz="quarter" idx="4"/>
+          </p:nvPr>
+        </p:nvSpPr>
+        <p:spPr>
+          <a:xfrm>
+            <a:off x="0" y="8685213"/>
+            <a:ext cx="2971800" cy="458787"/>
+          </a:xfrm>
+          <a:prstGeom prst="rect">
+            <a:avLst/>
+          </a:prstGeom>
+        </p:spPr>
+        <p:txBody>
+          <a:bodyPr vert="horz" lIns="91440" tIns="45720" rIns="91440" bIns="45720" rtlCol="0" anchor="b"/>
+          <a:lstStyle>
+            <a:lvl1pPr algn="l">
+              <a:defRPr sz="1200"/>
+            </a:lvl1pPr>
+          </a:lstStyle>
+          <a:p>
+            <a:endParaRPr lang="en-US"/>
+          </a:p>
+        </p:txBody>
+      </p:sp>
+      <p:sp>
+        <p:nvSpPr>
+          <p:cNvPr id="7" name="Slide Number Placeholder 6"/>
+          <p:cNvSpPr>
+            <a:spLocks noGrp="1"/>
+          </p:cNvSpPr>
+          <p:nvPr>
+            <p:ph type="sldNum" sz="quarter" idx="5"/>
+          </p:nvPr>
+        </p:nvSpPr>
+        <p:spPr>
+          <a:xfrm>
+            <a:off x="3884613" y="8685213"/>
+            <a:ext cx="2971800" cy="458787"/>
+          </a:xfrm>
+          <a:prstGeom prst="rect">
+            <a:avLst/>
+          </a:prstGeom>
+        </p:spPr>
+        <p:txBody>
+          <a:bodyPr vert="horz" lIns="91440" tIns="45720" rIns="91440" bIns="45720" rtlCol="0" anchor="b"/>
+          <a:lstStyle>
+            <a:lvl1pPr algn="r">
+              <a:defRPr sz="1200"/>
+            </a:lvl1pPr>
+          </a:lstStyle>
+          <a:p>
+            <a:fld id="{BD733707-4C7E-A244-9C1E-265DCF54331E}" type="slidenum">
+              <a:rPr lang="en-US" smtClean="0"/>
+              <a:t>‹#›</a:t>
+            </a:fld>
+            <a:endParaRPr lang="en-US"/>
+          </a:p>
+        </p:txBody>
+      </p:sp>
+    </p:spTree>
+    <p:extLst>
+      <p:ext uri="{BB962C8B-B14F-4D97-AF65-F5344CB8AC3E}">
+        <p14:creationId xmlns:p14="http://schemas.microsoft.com/office/powerpoint/2010/main" val="2817766709"/>
+      </p:ext>
+    </p:extLst>
+  </p:cSld>
+  <p:clrMap bg1="lt1" tx1="dk1" bg2="lt2" tx2="dk2" accent1="accent1" accent2="accent2" accent3="accent3" accent4="accent4" accent5="accent5" accent6="accent6" hlink="hlink" folHlink="folHlink"/>
+  <p:notesStyle>
+    <a:lvl1pPr marL="0" algn="l" defTabSz="914400" rtl="0" eaLnBrk="1" latinLnBrk="0" hangingPunct="1">
+      <a:defRPr sz="1200" kern="1200">
+        <a:solidFill>
+          <a:schemeClr val="tx1"/>
+        </a:solidFill>
+        <a:latin typeface="+mn-lt"/>
+        <a:ea typeface="+mn-ea"/>
+        <a:cs typeface="+mn-cs"/>
+      </a:defRPr>
+    </a:lvl1pPr>
+    <a:lvl2pPr marL="457200" algn="l" defTabSz="914400" rtl="0" eaLnBrk="1" latinLnBrk="0" hangingPunct="1">
+      <a:defRPr sz="1200" kern="1200">
+        <a:solidFill>
+          <a:schemeClr val="tx1"/>
+        </a:solidFill>
+        <a:latin typeface="+mn-lt"/>
+        <a:ea typeface="+mn-ea"/>
+        <a:cs typeface="+mn-cs"/>
+      </a:defRPr>
+    </a:lvl2pPr>
+    <a:lvl3pPr marL="914400" algn="l" defTabSz="914400" rtl="0" eaLnBrk="1" latinLnBrk="0" hangingPunct="1">
+      <a:defRPr sz="1200" kern="1200">
+        <a:solidFill>
+          <a:schemeClr val="tx1"/>
+        </a:solidFill>
+        <a:latin typeface="+mn-lt"/>
+        <a:ea typeface="+mn-ea"/>
+        <a:cs typeface="+mn-cs"/>
+      </a:defRPr>
+    </a:lvl3pPr>
+    <a:lvl4pPr marL="1371600" algn="l" defTabSz="914400" rtl="0" eaLnBrk="1" latinLnBrk="0" hangingPunct="1">
+      <a:defRPr sz="1200" kern="1200">
+        <a:solidFill>
+          <a:schemeClr val="tx1"/>
+        </a:solidFill>
+        <a:latin typeface="+mn-lt"/>
+        <a:ea typeface="+mn-ea"/>
+        <a:cs typeface="+mn-cs"/>
+      </a:defRPr>
+    </a:lvl4pPr>
+    <a:lvl5pPr marL="1828800" algn="l" defTabSz="914400" rtl="0" eaLnBrk="1" latinLnBrk="0" hangingPunct="1">
+      <a:defRPr sz="1200" kern="1200">
+        <a:solidFill>
+          <a:schemeClr val="tx1"/>
+        </a:solidFill>
+        <a:latin typeface="+mn-lt"/>
+        <a:ea typeface="+mn-ea"/>
+        <a:cs typeface="+mn-cs"/>
+      </a:defRPr>
+    </a:lvl5pPr>
+    <a:lvl6pPr marL="2286000" algn="l" defTabSz="914400" rtl="0" eaLnBrk="1" latinLnBrk="0" hangingPunct="1">
+      <a:defRPr sz="1200" kern="1200">
+        <a:solidFill>
+          <a:schemeClr val="tx1"/>
+        </a:solidFill>
+        <a:latin typeface="+mn-lt"/>
+        <a:ea typeface="+mn-ea"/>
+        <a:cs typeface="+mn-cs"/>
+      </a:defRPr>
+    </a:lvl6pPr>
+    <a:lvl7pPr marL="2743200" algn="l" defTabSz="914400" rtl="0" eaLnBrk="1" latinLnBrk="0" hangingPunct="1">
+      <a:defRPr sz="1200" kern="1200">
+        <a:solidFill>
+          <a:schemeClr val="tx1"/>
+        </a:solidFill>
+        <a:latin typeface="+mn-lt"/>
+        <a:ea typeface="+mn-ea"/>
+        <a:cs typeface="+mn-cs"/>
+      </a:defRPr>
+    </a:lvl7pPr>
+    <a:lvl8pPr marL="3200400" algn="l" defTabSz="914400" rtl="0" eaLnBrk="1" latinLnBrk="0" hangingPunct="1">
+      <a:defRPr sz="1200" kern="1200">
+        <a:solidFill>
+          <a:schemeClr val="tx1"/>
+        </a:solidFill>
+        <a:latin typeface="+mn-lt"/>
+        <a:ea typeface="+mn-ea"/>
+        <a:cs typeface="+mn-cs"/>
+      </a:defRPr>
+    </a:lvl8pPr>
+    <a:lvl9pPr marL="3657600" algn="l" defTabSz="914400" rtl="0" eaLnBrk="1" latinLnBrk="0" hangingPunct="1">
+      <a:defRPr sz="1200" kern="1200">
+        <a:solidFill>
+          <a:schemeClr val="tx1"/>
+        </a:solidFill>
+        <a:latin typeface="+mn-lt"/>
+        <a:ea typeface="+mn-ea"/>
+        <a:cs typeface="+mn-cs"/>
+      </a:defRPr>
+    </a:lvl9pPr>
+  </p:notesStyle>
+</p:notesMaster>
+</file>
+
 <file path=ppt/slideLayouts/slideLayout1.xml><?xml version="1.0" encoding="utf-8"?>
 <p:sldLayout xmlns:a="http://schemas.openxmlformats.org/drawingml/2006/main" xmlns:r="http://schemas.openxmlformats.org/officeDocument/2006/relationships" xmlns:p="http://schemas.openxmlformats.org/presentationml/2006/main" type="title" preserve="1">
   <p:cSld name="Title Slide">
@@ -252,7 +611,7 @@
           <a:bodyPr/>
           <a:lstStyle/>
           <a:p>
-            <a:fld id="{37E17828-BDA2-DD49-B28E-FB94D2FF9415}" type="datetimeFigureOut">
+            <a:fld id="{C95878B3-4170-8548-974B-A86062F115C3}" type="datetime1">
               <a:rPr lang="en-US" smtClean="0"/>
               <a:t>9/14/21</a:t>
             </a:fld>
@@ -450,7 +809,7 @@
           <a:bodyPr/>
           <a:lstStyle/>
           <a:p>
-            <a:fld id="{37E17828-BDA2-DD49-B28E-FB94D2FF9415}" type="datetimeFigureOut">
+            <a:fld id="{37C9604F-1852-E945-91FC-5349EAA9AAD6}" type="datetime1">
               <a:rPr lang="en-US" smtClean="0"/>
               <a:t>9/14/21</a:t>
             </a:fld>
@@ -658,7 +1017,7 @@
           <a:bodyPr/>
           <a:lstStyle/>
           <a:p>
-            <a:fld id="{37E17828-BDA2-DD49-B28E-FB94D2FF9415}" type="datetimeFigureOut">
+            <a:fld id="{BDB09237-5637-C34A-B3C3-5C2754E5B354}" type="datetime1">
               <a:rPr lang="en-US" smtClean="0"/>
               <a:t>9/14/21</a:t>
             </a:fld>
@@ -856,7 +1215,7 @@
           <a:bodyPr/>
           <a:lstStyle/>
           <a:p>
-            <a:fld id="{37E17828-BDA2-DD49-B28E-FB94D2FF9415}" type="datetimeFigureOut">
+            <a:fld id="{2B1D0570-03A0-2041-B6F7-9E5CDE885A15}" type="datetime1">
               <a:rPr lang="en-US" smtClean="0"/>
               <a:t>9/14/21</a:t>
             </a:fld>
@@ -1131,7 +1490,7 @@
           <a:bodyPr/>
           <a:lstStyle/>
           <a:p>
-            <a:fld id="{37E17828-BDA2-DD49-B28E-FB94D2FF9415}" type="datetimeFigureOut">
+            <a:fld id="{ECE8FD1E-A988-CE41-BAAE-8CF25800E6AC}" type="datetime1">
               <a:rPr lang="en-US" smtClean="0"/>
               <a:t>9/14/21</a:t>
             </a:fld>
@@ -1396,7 +1755,7 @@
           <a:bodyPr/>
           <a:lstStyle/>
           <a:p>
-            <a:fld id="{37E17828-BDA2-DD49-B28E-FB94D2FF9415}" type="datetimeFigureOut">
+            <a:fld id="{D087F671-8C23-CD45-AFC4-E2FC7293271F}" type="datetime1">
               <a:rPr lang="en-US" smtClean="0"/>
               <a:t>9/14/21</a:t>
             </a:fld>
@@ -1808,7 +2167,7 @@
           <a:bodyPr/>
           <a:lstStyle/>
           <a:p>
-            <a:fld id="{37E17828-BDA2-DD49-B28E-FB94D2FF9415}" type="datetimeFigureOut">
+            <a:fld id="{E89AAA84-DD3F-A64E-96F9-1504C3414B1F}" type="datetime1">
               <a:rPr lang="en-US" smtClean="0"/>
               <a:t>9/14/21</a:t>
             </a:fld>
@@ -1949,7 +2308,7 @@
           <a:bodyPr/>
           <a:lstStyle/>
           <a:p>
-            <a:fld id="{37E17828-BDA2-DD49-B28E-FB94D2FF9415}" type="datetimeFigureOut">
+            <a:fld id="{09F1E262-0EF5-8E40-9509-DE35ACB48F92}" type="datetime1">
               <a:rPr lang="en-US" smtClean="0"/>
               <a:t>9/14/21</a:t>
             </a:fld>
@@ -2062,7 +2421,7 @@
           <a:bodyPr/>
           <a:lstStyle/>
           <a:p>
-            <a:fld id="{37E17828-BDA2-DD49-B28E-FB94D2FF9415}" type="datetimeFigureOut">
+            <a:fld id="{A5C78E4B-D065-3F47-B73C-F91BC0CEA751}" type="datetime1">
               <a:rPr lang="en-US" smtClean="0"/>
               <a:t>9/14/21</a:t>
             </a:fld>
@@ -2373,7 +2732,7 @@
           <a:bodyPr/>
           <a:lstStyle/>
           <a:p>
-            <a:fld id="{37E17828-BDA2-DD49-B28E-FB94D2FF9415}" type="datetimeFigureOut">
+            <a:fld id="{B08253C2-EFDF-8341-AC6E-2BD544B08436}" type="datetime1">
               <a:rPr lang="en-US" smtClean="0"/>
               <a:t>9/14/21</a:t>
             </a:fld>
@@ -2661,7 +3020,7 @@
           <a:bodyPr/>
           <a:lstStyle/>
           <a:p>
-            <a:fld id="{37E17828-BDA2-DD49-B28E-FB94D2FF9415}" type="datetimeFigureOut">
+            <a:fld id="{7397E75D-ED01-0A45-8AFC-942B05CB7A4F}" type="datetime1">
               <a:rPr lang="en-US" smtClean="0"/>
               <a:t>9/14/21</a:t>
             </a:fld>
@@ -2902,7 +3261,7 @@
             </a:lvl1pPr>
           </a:lstStyle>
           <a:p>
-            <a:fld id="{37E17828-BDA2-DD49-B28E-FB94D2FF9415}" type="datetimeFigureOut">
+            <a:fld id="{D0398AAB-EC77-C049-9F2F-26FACF8F356C}" type="datetime1">
               <a:rPr lang="en-US" smtClean="0"/>
               <a:t>9/14/21</a:t>
             </a:fld>
@@ -3021,6 +3380,7 @@
     <p:sldLayoutId id="2147483658" r:id="rId10"/>
     <p:sldLayoutId id="2147483659" r:id="rId11"/>
   </p:sldLayoutIdLst>
+  <p:hf hdr="0" ftr="0" dt="0"/>
   <p:txStyles>
     <p:titleStyle>
       <a:lvl1pPr algn="l" defTabSz="914400" rtl="0" eaLnBrk="1" latinLnBrk="0" hangingPunct="1">
@@ -3339,7 +3699,7 @@
         </p:nvSpPr>
         <p:spPr>
           <a:xfrm>
-            <a:off x="1524000" y="207963"/>
+            <a:off x="1524000" y="792163"/>
             <a:ext cx="9144000" cy="2387600"/>
           </a:xfrm>
         </p:spPr>
@@ -3349,7 +3709,7 @@
           <a:p>
             <a:r>
               <a:rPr lang="en-US" dirty="0"/>
-              <a:t>Lab 2</a:t>
+              <a:t>Lab 2: ER Model</a:t>
             </a:r>
           </a:p>
         </p:txBody>
@@ -3372,7 +3732,7 @@
         </p:nvSpPr>
         <p:spPr>
           <a:xfrm>
-            <a:off x="1524000" y="2738438"/>
+            <a:off x="1524000" y="3525838"/>
             <a:ext cx="9144000" cy="1655762"/>
           </a:xfrm>
         </p:spPr>
@@ -3390,6 +3750,35 @@
               <a:rPr lang="en-US" dirty="0"/>
               <a:t>Tarikul Islam Papon</a:t>
             </a:r>
+          </a:p>
+        </p:txBody>
+      </p:sp>
+      <p:sp>
+        <p:nvSpPr>
+          <p:cNvPr id="4" name="Slide Number Placeholder 3">
+            <a:extLst>
+              <a:ext uri="{FF2B5EF4-FFF2-40B4-BE49-F238E27FC236}">
+                <a16:creationId xmlns:a16="http://schemas.microsoft.com/office/drawing/2014/main" id="{F1216324-2C34-3943-A4E6-94BFCA6B6E66}"/>
+              </a:ext>
+            </a:extLst>
+          </p:cNvPr>
+          <p:cNvSpPr>
+            <a:spLocks noGrp="1"/>
+          </p:cNvSpPr>
+          <p:nvPr>
+            <p:ph type="sldNum" sz="quarter" idx="12"/>
+          </p:nvPr>
+        </p:nvSpPr>
+        <p:spPr/>
+        <p:txBody>
+          <a:bodyPr/>
+          <a:lstStyle/>
+          <a:p>
+            <a:fld id="{0321FD10-FABF-114F-9C0D-0C222BB8C8CE}" type="slidenum">
+              <a:rPr lang="en-US" smtClean="0"/>
+              <a:t>1</a:t>
+            </a:fld>
+            <a:endParaRPr lang="en-US"/>
           </a:p>
         </p:txBody>
       </p:sp>
@@ -3397,6 +3786,1099 @@
     <p:extLst>
       <p:ext uri="{BB962C8B-B14F-4D97-AF65-F5344CB8AC3E}">
         <p14:creationId xmlns:p14="http://schemas.microsoft.com/office/powerpoint/2010/main" val="837727225"/>
+      </p:ext>
+    </p:extLst>
+  </p:cSld>
+  <p:clrMapOvr>
+    <a:masterClrMapping/>
+  </p:clrMapOvr>
+</p:sld>
+</file>
+
+<file path=ppt/slides/slide2.xml><?xml version="1.0" encoding="utf-8"?>
+<p:sld xmlns:a="http://schemas.openxmlformats.org/drawingml/2006/main" xmlns:r="http://schemas.openxmlformats.org/officeDocument/2006/relationships" xmlns:p="http://schemas.openxmlformats.org/presentationml/2006/main">
+  <p:cSld>
+    <p:spTree>
+      <p:nvGrpSpPr>
+        <p:cNvPr id="1" name=""/>
+        <p:cNvGrpSpPr/>
+        <p:nvPr/>
+      </p:nvGrpSpPr>
+      <p:grpSpPr>
+        <a:xfrm>
+          <a:off x="0" y="0"/>
+          <a:ext cx="0" cy="0"/>
+          <a:chOff x="0" y="0"/>
+          <a:chExt cx="0" cy="0"/>
+        </a:xfrm>
+      </p:grpSpPr>
+      <p:pic>
+        <p:nvPicPr>
+          <p:cNvPr id="8" name="Picture 7">
+            <a:extLst>
+              <a:ext uri="{FF2B5EF4-FFF2-40B4-BE49-F238E27FC236}">
+                <a16:creationId xmlns:a16="http://schemas.microsoft.com/office/drawing/2014/main" id="{E319694A-6BB0-AF4D-8E98-3FC0784DBC56}"/>
+              </a:ext>
+            </a:extLst>
+          </p:cNvPr>
+          <p:cNvPicPr>
+            <a:picLocks noChangeAspect="1"/>
+          </p:cNvPicPr>
+          <p:nvPr/>
+        </p:nvPicPr>
+        <p:blipFill>
+          <a:blip r:embed="rId2"/>
+          <a:stretch>
+            <a:fillRect/>
+          </a:stretch>
+        </p:blipFill>
+        <p:spPr>
+          <a:xfrm>
+            <a:off x="0" y="346039"/>
+            <a:ext cx="12192000" cy="6267522"/>
+          </a:xfrm>
+          <a:prstGeom prst="rect">
+            <a:avLst/>
+          </a:prstGeom>
+        </p:spPr>
+      </p:pic>
+      <p:sp>
+        <p:nvSpPr>
+          <p:cNvPr id="9" name="Slide Number Placeholder 8">
+            <a:extLst>
+              <a:ext uri="{FF2B5EF4-FFF2-40B4-BE49-F238E27FC236}">
+                <a16:creationId xmlns:a16="http://schemas.microsoft.com/office/drawing/2014/main" id="{05BA590B-10FC-6E48-B5FC-CACEE9824768}"/>
+              </a:ext>
+            </a:extLst>
+          </p:cNvPr>
+          <p:cNvSpPr>
+            <a:spLocks noGrp="1"/>
+          </p:cNvSpPr>
+          <p:nvPr>
+            <p:ph type="sldNum" sz="quarter" idx="12"/>
+          </p:nvPr>
+        </p:nvSpPr>
+        <p:spPr/>
+        <p:txBody>
+          <a:bodyPr/>
+          <a:lstStyle/>
+          <a:p>
+            <a:fld id="{0321FD10-FABF-114F-9C0D-0C222BB8C8CE}" type="slidenum">
+              <a:rPr lang="en-US" smtClean="0"/>
+              <a:t>2</a:t>
+            </a:fld>
+            <a:endParaRPr lang="en-US"/>
+          </a:p>
+        </p:txBody>
+      </p:sp>
+    </p:spTree>
+    <p:extLst>
+      <p:ext uri="{BB962C8B-B14F-4D97-AF65-F5344CB8AC3E}">
+        <p14:creationId xmlns:p14="http://schemas.microsoft.com/office/powerpoint/2010/main" val="1860288091"/>
+      </p:ext>
+    </p:extLst>
+  </p:cSld>
+  <p:clrMapOvr>
+    <a:masterClrMapping/>
+  </p:clrMapOvr>
+</p:sld>
+</file>
+
+<file path=ppt/slides/slide3.xml><?xml version="1.0" encoding="utf-8"?>
+<p:sld xmlns:a="http://schemas.openxmlformats.org/drawingml/2006/main" xmlns:r="http://schemas.openxmlformats.org/officeDocument/2006/relationships" xmlns:p="http://schemas.openxmlformats.org/presentationml/2006/main">
+  <p:cSld>
+    <p:spTree>
+      <p:nvGrpSpPr>
+        <p:cNvPr id="1" name=""/>
+        <p:cNvGrpSpPr/>
+        <p:nvPr/>
+      </p:nvGrpSpPr>
+      <p:grpSpPr>
+        <a:xfrm>
+          <a:off x="0" y="0"/>
+          <a:ext cx="0" cy="0"/>
+          <a:chOff x="0" y="0"/>
+          <a:chExt cx="0" cy="0"/>
+        </a:xfrm>
+      </p:grpSpPr>
+      <p:sp>
+        <p:nvSpPr>
+          <p:cNvPr id="9" name="Slide Number Placeholder 8">
+            <a:extLst>
+              <a:ext uri="{FF2B5EF4-FFF2-40B4-BE49-F238E27FC236}">
+                <a16:creationId xmlns:a16="http://schemas.microsoft.com/office/drawing/2014/main" id="{05BA590B-10FC-6E48-B5FC-CACEE9824768}"/>
+              </a:ext>
+            </a:extLst>
+          </p:cNvPr>
+          <p:cNvSpPr>
+            <a:spLocks noGrp="1"/>
+          </p:cNvSpPr>
+          <p:nvPr>
+            <p:ph type="sldNum" sz="quarter" idx="12"/>
+          </p:nvPr>
+        </p:nvSpPr>
+        <p:spPr/>
+        <p:txBody>
+          <a:bodyPr/>
+          <a:lstStyle/>
+          <a:p>
+            <a:fld id="{0321FD10-FABF-114F-9C0D-0C222BB8C8CE}" type="slidenum">
+              <a:rPr lang="en-US" smtClean="0"/>
+              <a:t>3</a:t>
+            </a:fld>
+            <a:endParaRPr lang="en-US"/>
+          </a:p>
+        </p:txBody>
+      </p:sp>
+      <p:pic>
+        <p:nvPicPr>
+          <p:cNvPr id="3" name="Picture 2">
+            <a:extLst>
+              <a:ext uri="{FF2B5EF4-FFF2-40B4-BE49-F238E27FC236}">
+                <a16:creationId xmlns:a16="http://schemas.microsoft.com/office/drawing/2014/main" id="{3D988AB3-7872-1E4B-A56E-5E6E88A2C828}"/>
+              </a:ext>
+            </a:extLst>
+          </p:cNvPr>
+          <p:cNvPicPr>
+            <a:picLocks noChangeAspect="1"/>
+          </p:cNvPicPr>
+          <p:nvPr/>
+        </p:nvPicPr>
+        <p:blipFill>
+          <a:blip r:embed="rId2"/>
+          <a:stretch>
+            <a:fillRect/>
+          </a:stretch>
+        </p:blipFill>
+        <p:spPr>
+          <a:xfrm>
+            <a:off x="476250" y="1210331"/>
+            <a:ext cx="11163299" cy="2757565"/>
+          </a:xfrm>
+          <a:prstGeom prst="rect">
+            <a:avLst/>
+          </a:prstGeom>
+        </p:spPr>
+      </p:pic>
+      <p:sp>
+        <p:nvSpPr>
+          <p:cNvPr id="4" name="TextBox 3">
+            <a:extLst>
+              <a:ext uri="{FF2B5EF4-FFF2-40B4-BE49-F238E27FC236}">
+                <a16:creationId xmlns:a16="http://schemas.microsoft.com/office/drawing/2014/main" id="{AF627211-16C3-B94F-A2BD-6A27651994B9}"/>
+              </a:ext>
+            </a:extLst>
+          </p:cNvPr>
+          <p:cNvSpPr txBox="1"/>
+          <p:nvPr/>
+        </p:nvSpPr>
+        <p:spPr>
+          <a:xfrm>
+            <a:off x="4673600" y="355600"/>
+            <a:ext cx="2844800" cy="830997"/>
+          </a:xfrm>
+          <a:prstGeom prst="rect">
+            <a:avLst/>
+          </a:prstGeom>
+          <a:noFill/>
+        </p:spPr>
+        <p:txBody>
+          <a:bodyPr wrap="square" rtlCol="0">
+            <a:spAutoFit/>
+          </a:bodyPr>
+          <a:lstStyle/>
+          <a:p>
+            <a:pPr algn="ctr"/>
+            <a:r>
+              <a:rPr lang="en-US" sz="4800" dirty="0"/>
+              <a:t>ERD Basics</a:t>
+            </a:r>
+          </a:p>
+        </p:txBody>
+      </p:sp>
+      <p:sp>
+        <p:nvSpPr>
+          <p:cNvPr id="5" name="Rectangle 4">
+            <a:extLst>
+              <a:ext uri="{FF2B5EF4-FFF2-40B4-BE49-F238E27FC236}">
+                <a16:creationId xmlns:a16="http://schemas.microsoft.com/office/drawing/2014/main" id="{A3237A99-2F60-0747-B5CA-C0C5ED1DECF5}"/>
+              </a:ext>
+            </a:extLst>
+          </p:cNvPr>
+          <p:cNvSpPr/>
+          <p:nvPr/>
+        </p:nvSpPr>
+        <p:spPr>
+          <a:xfrm>
+            <a:off x="552451" y="3967896"/>
+            <a:ext cx="11163299" cy="2462213"/>
+          </a:xfrm>
+          <a:prstGeom prst="rect">
+            <a:avLst/>
+          </a:prstGeom>
+        </p:spPr>
+        <p:txBody>
+          <a:bodyPr wrap="square">
+            <a:spAutoFit/>
+          </a:bodyPr>
+          <a:lstStyle/>
+          <a:p>
+            <a:pPr algn="just"/>
+            <a:r>
+              <a:rPr lang="en-US" sz="2200" b="1" dirty="0"/>
+              <a:t>Entity (Rectangle):</a:t>
+            </a:r>
+            <a:r>
+              <a:rPr lang="en-US" sz="2200" dirty="0"/>
+              <a:t> An Entity is an object in real world that is distinguishable from surrounding environment. They have a primary key, distinguishing each occurrence of the entity. </a:t>
+            </a:r>
+          </a:p>
+          <a:p>
+            <a:pPr algn="just"/>
+            <a:endParaRPr lang="en-US" sz="2200" dirty="0"/>
+          </a:p>
+          <a:p>
+            <a:pPr algn="just"/>
+            <a:r>
+              <a:rPr lang="en-US" sz="2200" b="1" dirty="0"/>
+              <a:t>Relationships (Diamond):</a:t>
+            </a:r>
+            <a:r>
+              <a:rPr lang="en-US" sz="2200" dirty="0"/>
+              <a:t> Relationships are associations between or among entities. </a:t>
+            </a:r>
+          </a:p>
+          <a:p>
+            <a:pPr algn="just"/>
+            <a:endParaRPr lang="en-US" sz="2200" dirty="0"/>
+          </a:p>
+          <a:p>
+            <a:pPr algn="just"/>
+            <a:r>
+              <a:rPr lang="en-US" sz="2200" b="1" dirty="0"/>
+              <a:t>Attributes (Oval):</a:t>
+            </a:r>
+            <a:r>
+              <a:rPr lang="en-US" sz="2200" dirty="0"/>
+              <a:t> Attributes are characteristics of an entity or a relationship. Underlined attributes indicate primary keys. Dashed oval indicates derived attributes.</a:t>
+            </a:r>
+          </a:p>
+        </p:txBody>
+      </p:sp>
+    </p:spTree>
+    <p:extLst>
+      <p:ext uri="{BB962C8B-B14F-4D97-AF65-F5344CB8AC3E}">
+        <p14:creationId xmlns:p14="http://schemas.microsoft.com/office/powerpoint/2010/main" val="2271771905"/>
+      </p:ext>
+    </p:extLst>
+  </p:cSld>
+  <p:clrMapOvr>
+    <a:masterClrMapping/>
+  </p:clrMapOvr>
+</p:sld>
+</file>
+
+<file path=ppt/slides/slide4.xml><?xml version="1.0" encoding="utf-8"?>
+<p:sld xmlns:a="http://schemas.openxmlformats.org/drawingml/2006/main" xmlns:r="http://schemas.openxmlformats.org/officeDocument/2006/relationships" xmlns:p="http://schemas.openxmlformats.org/presentationml/2006/main">
+  <p:cSld>
+    <p:spTree>
+      <p:nvGrpSpPr>
+        <p:cNvPr id="1" name=""/>
+        <p:cNvGrpSpPr/>
+        <p:nvPr/>
+      </p:nvGrpSpPr>
+      <p:grpSpPr>
+        <a:xfrm>
+          <a:off x="0" y="0"/>
+          <a:ext cx="0" cy="0"/>
+          <a:chOff x="0" y="0"/>
+          <a:chExt cx="0" cy="0"/>
+        </a:xfrm>
+      </p:grpSpPr>
+      <p:sp>
+        <p:nvSpPr>
+          <p:cNvPr id="4" name="Slide Number Placeholder 3">
+            <a:extLst>
+              <a:ext uri="{FF2B5EF4-FFF2-40B4-BE49-F238E27FC236}">
+                <a16:creationId xmlns:a16="http://schemas.microsoft.com/office/drawing/2014/main" id="{7997653D-46FE-834F-8770-970182B0CE07}"/>
+              </a:ext>
+            </a:extLst>
+          </p:cNvPr>
+          <p:cNvSpPr>
+            <a:spLocks noGrp="1"/>
+          </p:cNvSpPr>
+          <p:nvPr>
+            <p:ph type="sldNum" sz="quarter" idx="12"/>
+          </p:nvPr>
+        </p:nvSpPr>
+        <p:spPr/>
+        <p:txBody>
+          <a:bodyPr/>
+          <a:lstStyle/>
+          <a:p>
+            <a:fld id="{0321FD10-FABF-114F-9C0D-0C222BB8C8CE}" type="slidenum">
+              <a:rPr lang="en-US" smtClean="0"/>
+              <a:t>4</a:t>
+            </a:fld>
+            <a:endParaRPr lang="en-US"/>
+          </a:p>
+        </p:txBody>
+      </p:sp>
+      <p:pic>
+        <p:nvPicPr>
+          <p:cNvPr id="6" name="Picture 5">
+            <a:extLst>
+              <a:ext uri="{FF2B5EF4-FFF2-40B4-BE49-F238E27FC236}">
+                <a16:creationId xmlns:a16="http://schemas.microsoft.com/office/drawing/2014/main" id="{B7748221-8F1F-D343-9122-6A9DE8FE967E}"/>
+              </a:ext>
+            </a:extLst>
+          </p:cNvPr>
+          <p:cNvPicPr>
+            <a:picLocks noChangeAspect="1"/>
+          </p:cNvPicPr>
+          <p:nvPr/>
+        </p:nvPicPr>
+        <p:blipFill rotWithShape="1">
+          <a:blip r:embed="rId2"/>
+          <a:srcRect b="7315"/>
+          <a:stretch/>
+        </p:blipFill>
+        <p:spPr>
+          <a:xfrm>
+            <a:off x="170060" y="76200"/>
+            <a:ext cx="11851880" cy="6356350"/>
+          </a:xfrm>
+          <a:prstGeom prst="rect">
+            <a:avLst/>
+          </a:prstGeom>
+        </p:spPr>
+      </p:pic>
+    </p:spTree>
+    <p:extLst>
+      <p:ext uri="{BB962C8B-B14F-4D97-AF65-F5344CB8AC3E}">
+        <p14:creationId xmlns:p14="http://schemas.microsoft.com/office/powerpoint/2010/main" val="809945290"/>
+      </p:ext>
+    </p:extLst>
+  </p:cSld>
+  <p:clrMapOvr>
+    <a:masterClrMapping/>
+  </p:clrMapOvr>
+</p:sld>
+</file>
+
+<file path=ppt/slides/slide5.xml><?xml version="1.0" encoding="utf-8"?>
+<p:sld xmlns:a="http://schemas.openxmlformats.org/drawingml/2006/main" xmlns:r="http://schemas.openxmlformats.org/officeDocument/2006/relationships" xmlns:p="http://schemas.openxmlformats.org/presentationml/2006/main">
+  <p:cSld>
+    <p:spTree>
+      <p:nvGrpSpPr>
+        <p:cNvPr id="1" name=""/>
+        <p:cNvGrpSpPr/>
+        <p:nvPr/>
+      </p:nvGrpSpPr>
+      <p:grpSpPr>
+        <a:xfrm>
+          <a:off x="0" y="0"/>
+          <a:ext cx="0" cy="0"/>
+          <a:chOff x="0" y="0"/>
+          <a:chExt cx="0" cy="0"/>
+        </a:xfrm>
+      </p:grpSpPr>
+      <p:sp>
+        <p:nvSpPr>
+          <p:cNvPr id="4" name="Slide Number Placeholder 3">
+            <a:extLst>
+              <a:ext uri="{FF2B5EF4-FFF2-40B4-BE49-F238E27FC236}">
+                <a16:creationId xmlns:a16="http://schemas.microsoft.com/office/drawing/2014/main" id="{43BB3806-9A5C-E44A-8DF4-6F41EAEDA359}"/>
+              </a:ext>
+            </a:extLst>
+          </p:cNvPr>
+          <p:cNvSpPr>
+            <a:spLocks noGrp="1"/>
+          </p:cNvSpPr>
+          <p:nvPr>
+            <p:ph type="sldNum" sz="quarter" idx="12"/>
+          </p:nvPr>
+        </p:nvSpPr>
+        <p:spPr/>
+        <p:txBody>
+          <a:bodyPr/>
+          <a:lstStyle/>
+          <a:p>
+            <a:fld id="{0321FD10-FABF-114F-9C0D-0C222BB8C8CE}" type="slidenum">
+              <a:rPr lang="en-US" smtClean="0"/>
+              <a:t>5</a:t>
+            </a:fld>
+            <a:endParaRPr lang="en-US"/>
+          </a:p>
+        </p:txBody>
+      </p:sp>
+      <p:pic>
+        <p:nvPicPr>
+          <p:cNvPr id="6" name="Picture 5">
+            <a:extLst>
+              <a:ext uri="{FF2B5EF4-FFF2-40B4-BE49-F238E27FC236}">
+                <a16:creationId xmlns:a16="http://schemas.microsoft.com/office/drawing/2014/main" id="{8FCC2A79-1B3B-E344-A767-734DE59D5F42}"/>
+              </a:ext>
+            </a:extLst>
+          </p:cNvPr>
+          <p:cNvPicPr>
+            <a:picLocks noChangeAspect="1"/>
+          </p:cNvPicPr>
+          <p:nvPr/>
+        </p:nvPicPr>
+        <p:blipFill>
+          <a:blip r:embed="rId2"/>
+          <a:stretch>
+            <a:fillRect/>
+          </a:stretch>
+        </p:blipFill>
+        <p:spPr>
+          <a:xfrm>
+            <a:off x="0" y="153164"/>
+            <a:ext cx="12192000" cy="6297672"/>
+          </a:xfrm>
+          <a:prstGeom prst="rect">
+            <a:avLst/>
+          </a:prstGeom>
+        </p:spPr>
+      </p:pic>
+    </p:spTree>
+    <p:extLst>
+      <p:ext uri="{BB962C8B-B14F-4D97-AF65-F5344CB8AC3E}">
+        <p14:creationId xmlns:p14="http://schemas.microsoft.com/office/powerpoint/2010/main" val="1008726521"/>
+      </p:ext>
+    </p:extLst>
+  </p:cSld>
+  <p:clrMapOvr>
+    <a:masterClrMapping/>
+  </p:clrMapOvr>
+</p:sld>
+</file>
+
+<file path=ppt/slides/slide6.xml><?xml version="1.0" encoding="utf-8"?>
+<p:sld xmlns:a="http://schemas.openxmlformats.org/drawingml/2006/main" xmlns:r="http://schemas.openxmlformats.org/officeDocument/2006/relationships" xmlns:p="http://schemas.openxmlformats.org/presentationml/2006/main">
+  <p:cSld>
+    <p:spTree>
+      <p:nvGrpSpPr>
+        <p:cNvPr id="1" name=""/>
+        <p:cNvGrpSpPr/>
+        <p:nvPr/>
+      </p:nvGrpSpPr>
+      <p:grpSpPr>
+        <a:xfrm>
+          <a:off x="0" y="0"/>
+          <a:ext cx="0" cy="0"/>
+          <a:chOff x="0" y="0"/>
+          <a:chExt cx="0" cy="0"/>
+        </a:xfrm>
+      </p:grpSpPr>
+      <p:sp>
+        <p:nvSpPr>
+          <p:cNvPr id="4" name="Slide Number Placeholder 3">
+            <a:extLst>
+              <a:ext uri="{FF2B5EF4-FFF2-40B4-BE49-F238E27FC236}">
+                <a16:creationId xmlns:a16="http://schemas.microsoft.com/office/drawing/2014/main" id="{FC19D370-D246-5741-B101-583D926E6AB7}"/>
+              </a:ext>
+            </a:extLst>
+          </p:cNvPr>
+          <p:cNvSpPr>
+            <a:spLocks noGrp="1"/>
+          </p:cNvSpPr>
+          <p:nvPr>
+            <p:ph type="sldNum" sz="quarter" idx="12"/>
+          </p:nvPr>
+        </p:nvSpPr>
+        <p:spPr/>
+        <p:txBody>
+          <a:bodyPr/>
+          <a:lstStyle/>
+          <a:p>
+            <a:fld id="{0321FD10-FABF-114F-9C0D-0C222BB8C8CE}" type="slidenum">
+              <a:rPr lang="en-US" smtClean="0"/>
+              <a:t>6</a:t>
+            </a:fld>
+            <a:endParaRPr lang="en-US"/>
+          </a:p>
+        </p:txBody>
+      </p:sp>
+      <p:sp>
+        <p:nvSpPr>
+          <p:cNvPr id="5" name="Title 1">
+            <a:extLst>
+              <a:ext uri="{FF2B5EF4-FFF2-40B4-BE49-F238E27FC236}">
+                <a16:creationId xmlns:a16="http://schemas.microsoft.com/office/drawing/2014/main" id="{3D8A08D3-841F-DD4B-97A6-2AC24EFD6846}"/>
+              </a:ext>
+            </a:extLst>
+          </p:cNvPr>
+          <p:cNvSpPr txBox="1">
+            <a:spLocks/>
+          </p:cNvSpPr>
+          <p:nvPr/>
+        </p:nvSpPr>
+        <p:spPr>
+          <a:xfrm>
+            <a:off x="1524000" y="1604963"/>
+            <a:ext cx="9144000" cy="2387600"/>
+          </a:xfrm>
+          <a:prstGeom prst="rect">
+            <a:avLst/>
+          </a:prstGeom>
+        </p:spPr>
+        <p:txBody>
+          <a:bodyPr vert="horz" lIns="91440" tIns="45720" rIns="91440" bIns="45720" rtlCol="0" anchor="ctr">
+            <a:normAutofit fontScale="92500" lnSpcReduction="20000"/>
+          </a:bodyPr>
+          <a:lstStyle>
+            <a:lvl1pPr algn="l" defTabSz="914400" rtl="0" eaLnBrk="1" latinLnBrk="0" hangingPunct="1">
+              <a:lnSpc>
+                <a:spcPct val="90000"/>
+              </a:lnSpc>
+              <a:spcBef>
+                <a:spcPct val="0"/>
+              </a:spcBef>
+              <a:buNone/>
+              <a:defRPr sz="4400" kern="1200">
+                <a:solidFill>
+                  <a:schemeClr val="tx1"/>
+                </a:solidFill>
+                <a:latin typeface="+mj-lt"/>
+                <a:ea typeface="+mj-ea"/>
+                <a:cs typeface="+mj-cs"/>
+              </a:defRPr>
+            </a:lvl1pPr>
+          </a:lstStyle>
+          <a:p>
+            <a:pPr algn="ctr">
+              <a:lnSpc>
+                <a:spcPct val="200000"/>
+              </a:lnSpc>
+            </a:pPr>
+            <a:r>
+              <a:rPr lang="en-US" sz="6000" dirty="0"/>
+              <a:t>Exercise</a:t>
+            </a:r>
+          </a:p>
+          <a:p>
+            <a:pPr algn="ctr">
+              <a:lnSpc>
+                <a:spcPct val="200000"/>
+              </a:lnSpc>
+            </a:pPr>
+            <a:r>
+              <a:rPr lang="en-US" sz="3200" dirty="0"/>
+              <a:t>go to </a:t>
+            </a:r>
+            <a:r>
+              <a:rPr lang="en-US" sz="3200" dirty="0">
+                <a:hlinkClick r:id="rId2"/>
+              </a:rPr>
+              <a:t>https://www.draw.io</a:t>
+            </a:r>
+            <a:endParaRPr lang="en-US" sz="3200" dirty="0"/>
+          </a:p>
+        </p:txBody>
+      </p:sp>
+    </p:spTree>
+    <p:extLst>
+      <p:ext uri="{BB962C8B-B14F-4D97-AF65-F5344CB8AC3E}">
+        <p14:creationId xmlns:p14="http://schemas.microsoft.com/office/powerpoint/2010/main" val="4256390074"/>
+      </p:ext>
+    </p:extLst>
+  </p:cSld>
+  <p:clrMapOvr>
+    <a:masterClrMapping/>
+  </p:clrMapOvr>
+</p:sld>
+</file>
+
+<file path=ppt/slides/slide7.xml><?xml version="1.0" encoding="utf-8"?>
+<p:sld xmlns:a="http://schemas.openxmlformats.org/drawingml/2006/main" xmlns:r="http://schemas.openxmlformats.org/officeDocument/2006/relationships" xmlns:p="http://schemas.openxmlformats.org/presentationml/2006/main">
+  <p:cSld>
+    <p:spTree>
+      <p:nvGrpSpPr>
+        <p:cNvPr id="1" name=""/>
+        <p:cNvGrpSpPr/>
+        <p:nvPr/>
+      </p:nvGrpSpPr>
+      <p:grpSpPr>
+        <a:xfrm>
+          <a:off x="0" y="0"/>
+          <a:ext cx="0" cy="0"/>
+          <a:chOff x="0" y="0"/>
+          <a:chExt cx="0" cy="0"/>
+        </a:xfrm>
+      </p:grpSpPr>
+      <p:sp>
+        <p:nvSpPr>
+          <p:cNvPr id="2" name="Title 1">
+            <a:extLst>
+              <a:ext uri="{FF2B5EF4-FFF2-40B4-BE49-F238E27FC236}">
+                <a16:creationId xmlns:a16="http://schemas.microsoft.com/office/drawing/2014/main" id="{2BD9183B-E02D-C74D-AF9E-9A4667C30EF0}"/>
+              </a:ext>
+            </a:extLst>
+          </p:cNvPr>
+          <p:cNvSpPr>
+            <a:spLocks noGrp="1"/>
+          </p:cNvSpPr>
+          <p:nvPr>
+            <p:ph type="title"/>
+          </p:nvPr>
+        </p:nvSpPr>
+        <p:spPr/>
+        <p:txBody>
+          <a:bodyPr/>
+          <a:lstStyle/>
+          <a:p>
+            <a:r>
+              <a:rPr lang="en-US" dirty="0"/>
+              <a:t>Transform ERD to Table</a:t>
+            </a:r>
+          </a:p>
+        </p:txBody>
+      </p:sp>
+      <p:sp>
+        <p:nvSpPr>
+          <p:cNvPr id="3" name="Content Placeholder 2">
+            <a:extLst>
+              <a:ext uri="{FF2B5EF4-FFF2-40B4-BE49-F238E27FC236}">
+                <a16:creationId xmlns:a16="http://schemas.microsoft.com/office/drawing/2014/main" id="{054E19FE-B57A-E346-8AAF-9172D5B6FB15}"/>
+              </a:ext>
+            </a:extLst>
+          </p:cNvPr>
+          <p:cNvSpPr>
+            <a:spLocks noGrp="1"/>
+          </p:cNvSpPr>
+          <p:nvPr>
+            <p:ph idx="1"/>
+          </p:nvPr>
+        </p:nvSpPr>
+        <p:spPr>
+          <a:xfrm>
+            <a:off x="838200" y="1489075"/>
+            <a:ext cx="10515600" cy="4943475"/>
+          </a:xfrm>
+        </p:spPr>
+        <p:txBody>
+          <a:bodyPr>
+            <a:normAutofit lnSpcReduction="10000"/>
+          </a:bodyPr>
+          <a:lstStyle/>
+          <a:p>
+            <a:pPr marL="350838" indent="-350838">
+              <a:lnSpc>
+                <a:spcPct val="110000"/>
+              </a:lnSpc>
+            </a:pPr>
+            <a:r>
+              <a:rPr lang="en-US" sz="2400" dirty="0"/>
+              <a:t>Convert all the Entities in the diagram to tables.</a:t>
+            </a:r>
+          </a:p>
+          <a:p>
+            <a:pPr marL="350838" indent="-350838">
+              <a:lnSpc>
+                <a:spcPct val="110000"/>
+              </a:lnSpc>
+            </a:pPr>
+            <a:r>
+              <a:rPr lang="en-US" sz="2400" dirty="0"/>
+              <a:t>All single valued attributes of an entity is converted to a column of the table</a:t>
+            </a:r>
+          </a:p>
+          <a:p>
+            <a:pPr marL="350838" indent="-350838">
+              <a:lnSpc>
+                <a:spcPct val="110000"/>
+              </a:lnSpc>
+            </a:pPr>
+            <a:r>
+              <a:rPr lang="en-US" sz="2400" dirty="0"/>
+              <a:t>Key attribute in the ER diagram becomes the Primary key of the table.</a:t>
+            </a:r>
+          </a:p>
+          <a:p>
+            <a:pPr marL="350838" indent="-350838">
+              <a:lnSpc>
+                <a:spcPct val="110000"/>
+              </a:lnSpc>
+            </a:pPr>
+            <a:r>
+              <a:rPr lang="en-US" sz="2400" dirty="0"/>
+              <a:t>Declare the foreign key column, if applicable.</a:t>
+            </a:r>
+          </a:p>
+          <a:p>
+            <a:pPr marL="350838" indent="-350838">
+              <a:lnSpc>
+                <a:spcPct val="110000"/>
+              </a:lnSpc>
+            </a:pPr>
+            <a:r>
+              <a:rPr lang="en-US" sz="2400" dirty="0"/>
+              <a:t>Any multi-valued attributes are converted into new table.</a:t>
+            </a:r>
+          </a:p>
+          <a:p>
+            <a:pPr marL="350838" indent="-350838">
+              <a:lnSpc>
+                <a:spcPct val="110000"/>
+              </a:lnSpc>
+            </a:pPr>
+            <a:r>
+              <a:rPr lang="en-US" sz="2400" dirty="0"/>
+              <a:t>One can ignore derived attribute, since it can be calculated at any time.</a:t>
+            </a:r>
+          </a:p>
+          <a:p>
+            <a:pPr marL="350838" indent="-350838">
+              <a:lnSpc>
+                <a:spcPct val="110000"/>
+              </a:lnSpc>
+            </a:pPr>
+            <a:r>
+              <a:rPr lang="en-US" sz="2400" dirty="0"/>
+              <a:t>Weak entity is also represented as table. Add a foreign key column, which would be the primary key of its strong entity. This foreign key column along with its key attribute column forms the primary key of the table.</a:t>
+            </a:r>
+          </a:p>
+          <a:p>
+            <a:pPr marL="350838" indent="-350838">
+              <a:lnSpc>
+                <a:spcPct val="110000"/>
+              </a:lnSpc>
+            </a:pPr>
+            <a:r>
+              <a:rPr lang="en-US" sz="2400" dirty="0"/>
+              <a:t>All many-to-many relations will be a table</a:t>
+            </a:r>
+          </a:p>
+        </p:txBody>
+      </p:sp>
+      <p:sp>
+        <p:nvSpPr>
+          <p:cNvPr id="4" name="Slide Number Placeholder 3">
+            <a:extLst>
+              <a:ext uri="{FF2B5EF4-FFF2-40B4-BE49-F238E27FC236}">
+                <a16:creationId xmlns:a16="http://schemas.microsoft.com/office/drawing/2014/main" id="{FC6449FD-D083-2B44-BEBA-AE2D2A34D16B}"/>
+              </a:ext>
+            </a:extLst>
+          </p:cNvPr>
+          <p:cNvSpPr>
+            <a:spLocks noGrp="1"/>
+          </p:cNvSpPr>
+          <p:nvPr>
+            <p:ph type="sldNum" sz="quarter" idx="12"/>
+          </p:nvPr>
+        </p:nvSpPr>
+        <p:spPr/>
+        <p:txBody>
+          <a:bodyPr/>
+          <a:lstStyle/>
+          <a:p>
+            <a:fld id="{0321FD10-FABF-114F-9C0D-0C222BB8C8CE}" type="slidenum">
+              <a:rPr lang="en-US" smtClean="0"/>
+              <a:t>7</a:t>
+            </a:fld>
+            <a:endParaRPr lang="en-US"/>
+          </a:p>
+        </p:txBody>
+      </p:sp>
+    </p:spTree>
+    <p:extLst>
+      <p:ext uri="{BB962C8B-B14F-4D97-AF65-F5344CB8AC3E}">
+        <p14:creationId xmlns:p14="http://schemas.microsoft.com/office/powerpoint/2010/main" val="3054837770"/>
+      </p:ext>
+    </p:extLst>
+  </p:cSld>
+  <p:clrMapOvr>
+    <a:masterClrMapping/>
+  </p:clrMapOvr>
+</p:sld>
+</file>
+
+<file path=ppt/slides/slide8.xml><?xml version="1.0" encoding="utf-8"?>
+<p:sld xmlns:a="http://schemas.openxmlformats.org/drawingml/2006/main" xmlns:r="http://schemas.openxmlformats.org/officeDocument/2006/relationships" xmlns:p="http://schemas.openxmlformats.org/presentationml/2006/main">
+  <p:cSld>
+    <p:spTree>
+      <p:nvGrpSpPr>
+        <p:cNvPr id="1" name=""/>
+        <p:cNvGrpSpPr/>
+        <p:nvPr/>
+      </p:nvGrpSpPr>
+      <p:grpSpPr>
+        <a:xfrm>
+          <a:off x="0" y="0"/>
+          <a:ext cx="0" cy="0"/>
+          <a:chOff x="0" y="0"/>
+          <a:chExt cx="0" cy="0"/>
+        </a:xfrm>
+      </p:grpSpPr>
+      <p:sp>
+        <p:nvSpPr>
+          <p:cNvPr id="2" name="Title 1">
+            <a:extLst>
+              <a:ext uri="{FF2B5EF4-FFF2-40B4-BE49-F238E27FC236}">
+                <a16:creationId xmlns:a16="http://schemas.microsoft.com/office/drawing/2014/main" id="{02D348E2-97D5-564F-829D-BB6582D0625C}"/>
+              </a:ext>
+            </a:extLst>
+          </p:cNvPr>
+          <p:cNvSpPr>
+            <a:spLocks noGrp="1"/>
+          </p:cNvSpPr>
+          <p:nvPr>
+            <p:ph type="title"/>
+          </p:nvPr>
+        </p:nvSpPr>
+        <p:spPr/>
+        <p:txBody>
+          <a:bodyPr/>
+          <a:lstStyle/>
+          <a:p>
+            <a:r>
+              <a:rPr lang="en-US" dirty="0"/>
+              <a:t>SQL Example</a:t>
+            </a:r>
+          </a:p>
+        </p:txBody>
+      </p:sp>
+      <p:sp>
+        <p:nvSpPr>
+          <p:cNvPr id="4" name="Slide Number Placeholder 3">
+            <a:extLst>
+              <a:ext uri="{FF2B5EF4-FFF2-40B4-BE49-F238E27FC236}">
+                <a16:creationId xmlns:a16="http://schemas.microsoft.com/office/drawing/2014/main" id="{99A2F632-BA6C-A944-A85A-2AB1D14A4BFF}"/>
+              </a:ext>
+            </a:extLst>
+          </p:cNvPr>
+          <p:cNvSpPr>
+            <a:spLocks noGrp="1"/>
+          </p:cNvSpPr>
+          <p:nvPr>
+            <p:ph type="sldNum" sz="quarter" idx="12"/>
+          </p:nvPr>
+        </p:nvSpPr>
+        <p:spPr/>
+        <p:txBody>
+          <a:bodyPr/>
+          <a:lstStyle/>
+          <a:p>
+            <a:fld id="{0321FD10-FABF-114F-9C0D-0C222BB8C8CE}" type="slidenum">
+              <a:rPr lang="en-US" smtClean="0"/>
+              <a:t>8</a:t>
+            </a:fld>
+            <a:endParaRPr lang="en-US"/>
+          </a:p>
+        </p:txBody>
+      </p:sp>
+      <p:sp>
+        <p:nvSpPr>
+          <p:cNvPr id="5" name="TextBox 4">
+            <a:extLst>
+              <a:ext uri="{FF2B5EF4-FFF2-40B4-BE49-F238E27FC236}">
+                <a16:creationId xmlns:a16="http://schemas.microsoft.com/office/drawing/2014/main" id="{04060887-C258-5243-8680-3585719499F0}"/>
+              </a:ext>
+            </a:extLst>
+          </p:cNvPr>
+          <p:cNvSpPr txBox="1"/>
+          <p:nvPr/>
+        </p:nvSpPr>
+        <p:spPr>
+          <a:xfrm>
+            <a:off x="800100" y="1538288"/>
+            <a:ext cx="10744200" cy="5016758"/>
+          </a:xfrm>
+          <a:prstGeom prst="rect">
+            <a:avLst/>
+          </a:prstGeom>
+          <a:noFill/>
+        </p:spPr>
+        <p:txBody>
+          <a:bodyPr wrap="square" rtlCol="0">
+            <a:spAutoFit/>
+          </a:bodyPr>
+          <a:lstStyle/>
+          <a:p>
+            <a:r>
+              <a:rPr lang="en-US" sz="2000" dirty="0">
+                <a:latin typeface="Courier New" panose="02070309020205020404" pitchFamily="49" charset="0"/>
+                <a:cs typeface="Courier New" panose="02070309020205020404" pitchFamily="49" charset="0"/>
+              </a:rPr>
+              <a:t>CREATE TABLE Persons (</a:t>
+            </a:r>
+          </a:p>
+          <a:p>
+            <a:r>
+              <a:rPr lang="en-US" sz="2000" dirty="0">
+                <a:latin typeface="Courier New" panose="02070309020205020404" pitchFamily="49" charset="0"/>
+                <a:cs typeface="Courier New" panose="02070309020205020404" pitchFamily="49" charset="0"/>
+              </a:rPr>
+              <a:t>    </a:t>
+            </a:r>
+            <a:r>
+              <a:rPr lang="en-US" sz="2000" dirty="0" err="1">
+                <a:latin typeface="Courier New" panose="02070309020205020404" pitchFamily="49" charset="0"/>
+                <a:cs typeface="Courier New" panose="02070309020205020404" pitchFamily="49" charset="0"/>
+              </a:rPr>
+              <a:t>PersonID</a:t>
+            </a:r>
+            <a:r>
+              <a:rPr lang="en-US" sz="2000" dirty="0">
+                <a:latin typeface="Courier New" panose="02070309020205020404" pitchFamily="49" charset="0"/>
+                <a:cs typeface="Courier New" panose="02070309020205020404" pitchFamily="49" charset="0"/>
+              </a:rPr>
+              <a:t> int,</a:t>
+            </a:r>
+          </a:p>
+          <a:p>
+            <a:r>
+              <a:rPr lang="en-US" sz="2000" dirty="0">
+                <a:latin typeface="Courier New" panose="02070309020205020404" pitchFamily="49" charset="0"/>
+                <a:cs typeface="Courier New" panose="02070309020205020404" pitchFamily="49" charset="0"/>
+              </a:rPr>
+              <a:t>    </a:t>
+            </a:r>
+            <a:r>
+              <a:rPr lang="en-US" sz="2000" dirty="0" err="1">
+                <a:latin typeface="Courier New" panose="02070309020205020404" pitchFamily="49" charset="0"/>
+                <a:cs typeface="Courier New" panose="02070309020205020404" pitchFamily="49" charset="0"/>
+              </a:rPr>
+              <a:t>LastName</a:t>
+            </a:r>
+            <a:r>
+              <a:rPr lang="en-US" sz="2000" dirty="0">
+                <a:latin typeface="Courier New" panose="02070309020205020404" pitchFamily="49" charset="0"/>
+                <a:cs typeface="Courier New" panose="02070309020205020404" pitchFamily="49" charset="0"/>
+              </a:rPr>
+              <a:t> varchar(255),</a:t>
+            </a:r>
+          </a:p>
+          <a:p>
+            <a:r>
+              <a:rPr lang="en-US" sz="2000" dirty="0">
+                <a:latin typeface="Courier New" panose="02070309020205020404" pitchFamily="49" charset="0"/>
+                <a:cs typeface="Courier New" panose="02070309020205020404" pitchFamily="49" charset="0"/>
+              </a:rPr>
+              <a:t>    FirstName varchar(255),</a:t>
+            </a:r>
+          </a:p>
+          <a:p>
+            <a:r>
+              <a:rPr lang="en-US" sz="2000" dirty="0">
+                <a:latin typeface="Courier New" panose="02070309020205020404" pitchFamily="49" charset="0"/>
+                <a:cs typeface="Courier New" panose="02070309020205020404" pitchFamily="49" charset="0"/>
+              </a:rPr>
+              <a:t>    Address varchar(255),</a:t>
+            </a:r>
+          </a:p>
+          <a:p>
+            <a:r>
+              <a:rPr lang="en-US" sz="2000" dirty="0">
+                <a:latin typeface="Courier New" panose="02070309020205020404" pitchFamily="49" charset="0"/>
+                <a:cs typeface="Courier New" panose="02070309020205020404" pitchFamily="49" charset="0"/>
+              </a:rPr>
+              <a:t>    City varchar(255)</a:t>
+            </a:r>
+          </a:p>
+          <a:p>
+            <a:r>
+              <a:rPr lang="en-US" sz="2000" dirty="0">
+                <a:latin typeface="Courier New" panose="02070309020205020404" pitchFamily="49" charset="0"/>
+                <a:cs typeface="Courier New" panose="02070309020205020404" pitchFamily="49" charset="0"/>
+              </a:rPr>
+              <a:t>);</a:t>
+            </a:r>
+          </a:p>
+          <a:p>
+            <a:endParaRPr lang="en-US" sz="2000" dirty="0">
+              <a:latin typeface="Courier New" panose="02070309020205020404" pitchFamily="49" charset="0"/>
+              <a:cs typeface="Courier New" panose="02070309020205020404" pitchFamily="49" charset="0"/>
+            </a:endParaRPr>
+          </a:p>
+          <a:p>
+            <a:r>
+              <a:rPr lang="en-US" sz="2000" dirty="0">
+                <a:latin typeface="Courier New" panose="02070309020205020404" pitchFamily="49" charset="0"/>
+                <a:cs typeface="Courier New" panose="02070309020205020404" pitchFamily="49" charset="0"/>
+              </a:rPr>
+              <a:t>INSERT INTO Persons </a:t>
+            </a:r>
+          </a:p>
+          <a:p>
+            <a:r>
+              <a:rPr lang="en-US" sz="2000" dirty="0">
+                <a:latin typeface="Courier New" panose="02070309020205020404" pitchFamily="49" charset="0"/>
+                <a:cs typeface="Courier New" panose="02070309020205020404" pitchFamily="49" charset="0"/>
+              </a:rPr>
+              <a:t>VALUES (1, 'Hopkins', 'Anthony', '111 Cummington Mall', 'Boston’);</a:t>
+            </a:r>
+          </a:p>
+          <a:p>
+            <a:endParaRPr lang="en-US" sz="2000" dirty="0">
+              <a:latin typeface="Courier New" panose="02070309020205020404" pitchFamily="49" charset="0"/>
+              <a:cs typeface="Courier New" panose="02070309020205020404" pitchFamily="49" charset="0"/>
+            </a:endParaRPr>
+          </a:p>
+          <a:p>
+            <a:r>
+              <a:rPr lang="en-US" sz="2000" dirty="0">
+                <a:latin typeface="Courier New" panose="02070309020205020404" pitchFamily="49" charset="0"/>
+                <a:cs typeface="Courier New" panose="02070309020205020404" pitchFamily="49" charset="0"/>
+              </a:rPr>
+              <a:t>INSERT INTO Persons </a:t>
+            </a:r>
+          </a:p>
+          <a:p>
+            <a:r>
+              <a:rPr lang="en-US" sz="2000" dirty="0">
+                <a:latin typeface="Courier New" panose="02070309020205020404" pitchFamily="49" charset="0"/>
+                <a:cs typeface="Courier New" panose="02070309020205020404" pitchFamily="49" charset="0"/>
+              </a:rPr>
+              <a:t>VALUES (2, 'Bale', ‘Christian', ‘730 Comm Ave', 'Boston’);</a:t>
+            </a:r>
+          </a:p>
+          <a:p>
+            <a:endParaRPr lang="en-US" sz="2000" dirty="0">
+              <a:latin typeface="Courier New" panose="02070309020205020404" pitchFamily="49" charset="0"/>
+              <a:cs typeface="Courier New" panose="02070309020205020404" pitchFamily="49" charset="0"/>
+            </a:endParaRPr>
+          </a:p>
+          <a:p>
+            <a:r>
+              <a:rPr lang="en-US" sz="2000" dirty="0">
+                <a:latin typeface="Courier New" panose="02070309020205020404" pitchFamily="49" charset="0"/>
+                <a:cs typeface="Courier New" panose="02070309020205020404" pitchFamily="49" charset="0"/>
+              </a:rPr>
+              <a:t>SELECT * FROM Persons;</a:t>
+            </a:r>
+          </a:p>
+          <a:p>
+            <a:r>
+              <a:rPr lang="en-US" sz="2000" dirty="0">
+                <a:latin typeface="Courier New" panose="02070309020205020404" pitchFamily="49" charset="0"/>
+                <a:cs typeface="Courier New" panose="02070309020205020404" pitchFamily="49" charset="0"/>
+              </a:rPr>
+              <a:t>SELECT * FROM Persons WHERE </a:t>
+            </a:r>
+            <a:r>
+              <a:rPr lang="en-US" sz="2000" dirty="0" err="1">
+                <a:latin typeface="Courier New" panose="02070309020205020404" pitchFamily="49" charset="0"/>
+                <a:cs typeface="Courier New" panose="02070309020205020404" pitchFamily="49" charset="0"/>
+              </a:rPr>
+              <a:t>LastName</a:t>
+            </a:r>
+            <a:r>
+              <a:rPr lang="en-US" sz="2000" dirty="0">
+                <a:latin typeface="Courier New" panose="02070309020205020404" pitchFamily="49" charset="0"/>
+                <a:cs typeface="Courier New" panose="02070309020205020404" pitchFamily="49" charset="0"/>
+              </a:rPr>
+              <a:t> LIKE ‘Bale’;</a:t>
+            </a:r>
+          </a:p>
+        </p:txBody>
+      </p:sp>
+    </p:spTree>
+    <p:extLst>
+      <p:ext uri="{BB962C8B-B14F-4D97-AF65-F5344CB8AC3E}">
+        <p14:creationId xmlns:p14="http://schemas.microsoft.com/office/powerpoint/2010/main" val="3623736490"/>
       </p:ext>
     </p:extLst>
   </p:cSld>
@@ -3699,4 +5181,299 @@
     </a:ext>
   </a:extLst>
 </a:theme>
+</file>
+
+<file path=ppt/theme/theme2.xml><?xml version="1.0" encoding="utf-8"?>
+<a:theme xmlns:a="http://schemas.openxmlformats.org/drawingml/2006/main" name="Office Theme">
+  <a:themeElements>
+    <a:clrScheme name="Office">
+      <a:dk1>
+        <a:sysClr val="windowText" lastClr="000000"/>
+      </a:dk1>
+      <a:lt1>
+        <a:sysClr val="window" lastClr="FFFFFF"/>
+      </a:lt1>
+      <a:dk2>
+        <a:srgbClr val="44546A"/>
+      </a:dk2>
+      <a:lt2>
+        <a:srgbClr val="E7E6E6"/>
+      </a:lt2>
+      <a:accent1>
+        <a:srgbClr val="4472C4"/>
+      </a:accent1>
+      <a:accent2>
+        <a:srgbClr val="ED7D31"/>
+      </a:accent2>
+      <a:accent3>
+        <a:srgbClr val="A5A5A5"/>
+      </a:accent3>
+      <a:accent4>
+        <a:srgbClr val="FFC000"/>
+      </a:accent4>
+      <a:accent5>
+        <a:srgbClr val="5B9BD5"/>
+      </a:accent5>
+      <a:accent6>
+        <a:srgbClr val="70AD47"/>
+      </a:accent6>
+      <a:hlink>
+        <a:srgbClr val="0563C1"/>
+      </a:hlink>
+      <a:folHlink>
+        <a:srgbClr val="954F72"/>
+      </a:folHlink>
+    </a:clrScheme>
+    <a:fontScheme name="Office">
+      <a:majorFont>
+        <a:latin typeface="Calibri Light" panose="020F0302020204030204"/>
+        <a:ea typeface=""/>
+        <a:cs typeface=""/>
+        <a:font script="Jpan" typeface="游ゴシック Light"/>
+        <a:font script="Hang" typeface="맑은 고딕"/>
+        <a:font script="Hans" typeface="等线 Light"/>
+        <a:font script="Hant" typeface="新細明體"/>
+        <a:font script="Arab" typeface="Times New Roman"/>
+        <a:font script="Hebr" typeface="Times New Roman"/>
+        <a:font script="Thai" typeface="Angsana New"/>
+        <a:font script="Ethi" typeface="Nyala"/>
+        <a:font script="Beng" typeface="Vrinda"/>
+        <a:font script="Gujr" typeface="Shruti"/>
+        <a:font script="Khmr" typeface="MoolBoran"/>
+        <a:font script="Knda" typeface="Tunga"/>
+        <a:font script="Guru" typeface="Raavi"/>
+        <a:font script="Cans" typeface="Euphemia"/>
+        <a:font script="Cher" typeface="Plantagenet Cherokee"/>
+        <a:font script="Yiii" typeface="Microsoft Yi Baiti"/>
+        <a:font script="Tibt" typeface="Microsoft Himalaya"/>
+        <a:font script="Thaa" typeface="MV Boli"/>
+        <a:font script="Deva" typeface="Mangal"/>
+        <a:font script="Telu" typeface="Gautami"/>
+        <a:font script="Taml" typeface="Latha"/>
+        <a:font script="Syrc" typeface="Estrangelo Edessa"/>
+        <a:font script="Orya" typeface="Kalinga"/>
+        <a:font script="Mlym" typeface="Kartika"/>
+        <a:font script="Laoo" typeface="DokChampa"/>
+        <a:font script="Sinh" typeface="Iskoola Pota"/>
+        <a:font script="Mong" typeface="Mongolian Baiti"/>
+        <a:font script="Viet" typeface="Times New Roman"/>
+        <a:font script="Uigh" typeface="Microsoft Uighur"/>
+        <a:font script="Geor" typeface="Sylfaen"/>
+        <a:font script="Armn" typeface="Arial"/>
+        <a:font script="Bugi" typeface="Leelawadee UI"/>
+        <a:font script="Bopo" typeface="Microsoft JhengHei"/>
+        <a:font script="Java" typeface="Javanese Text"/>
+        <a:font script="Lisu" typeface="Segoe UI"/>
+        <a:font script="Mymr" typeface="Myanmar Text"/>
+        <a:font script="Nkoo" typeface="Ebrima"/>
+        <a:font script="Olck" typeface="Nirmala UI"/>
+        <a:font script="Osma" typeface="Ebrima"/>
+        <a:font script="Phag" typeface="Phagspa"/>
+        <a:font script="Syrn" typeface="Estrangelo Edessa"/>
+        <a:font script="Syrj" typeface="Estrangelo Edessa"/>
+        <a:font script="Syre" typeface="Estrangelo Edessa"/>
+        <a:font script="Sora" typeface="Nirmala UI"/>
+        <a:font script="Tale" typeface="Microsoft Tai Le"/>
+        <a:font script="Talu" typeface="Microsoft New Tai Lue"/>
+        <a:font script="Tfng" typeface="Ebrima"/>
+      </a:majorFont>
+      <a:minorFont>
+        <a:latin typeface="Calibri" panose="020F0502020204030204"/>
+        <a:ea typeface=""/>
+        <a:cs typeface=""/>
+        <a:font script="Jpan" typeface="游ゴシック"/>
+        <a:font script="Hang" typeface="맑은 고딕"/>
+        <a:font script="Hans" typeface="等线"/>
+        <a:font script="Hant" typeface="新細明體"/>
+        <a:font script="Arab" typeface="Arial"/>
+        <a:font script="Hebr" typeface="Arial"/>
+        <a:font script="Thai" typeface="Cordia New"/>
+        <a:font script="Ethi" typeface="Nyala"/>
+        <a:font script="Beng" typeface="Vrinda"/>
+        <a:font script="Gujr" typeface="Shruti"/>
+        <a:font script="Khmr" typeface="DaunPenh"/>
+        <a:font script="Knda" typeface="Tunga"/>
+        <a:font script="Guru" typeface="Raavi"/>
+        <a:font script="Cans" typeface="Euphemia"/>
+        <a:font script="Cher" typeface="Plantagenet Cherokee"/>
+        <a:font script="Yiii" typeface="Microsoft Yi Baiti"/>
+        <a:font script="Tibt" typeface="Microsoft Himalaya"/>
+        <a:font script="Thaa" typeface="MV Boli"/>
+        <a:font script="Deva" typeface="Mangal"/>
+        <a:font script="Telu" typeface="Gautami"/>
+        <a:font script="Taml" typeface="Latha"/>
+        <a:font script="Syrc" typeface="Estrangelo Edessa"/>
+        <a:font script="Orya" typeface="Kalinga"/>
+        <a:font script="Mlym" typeface="Kartika"/>
+        <a:font script="Laoo" typeface="DokChampa"/>
+        <a:font script="Sinh" typeface="Iskoola Pota"/>
+        <a:font script="Mong" typeface="Mongolian Baiti"/>
+        <a:font script="Viet" typeface="Arial"/>
+        <a:font script="Uigh" typeface="Microsoft Uighur"/>
+        <a:font script="Geor" typeface="Sylfaen"/>
+        <a:font script="Armn" typeface="Arial"/>
+        <a:font script="Bugi" typeface="Leelawadee UI"/>
+        <a:font script="Bopo" typeface="Microsoft JhengHei"/>
+        <a:font script="Java" typeface="Javanese Text"/>
+        <a:font script="Lisu" typeface="Segoe UI"/>
+        <a:font script="Mymr" typeface="Myanmar Text"/>
+        <a:font script="Nkoo" typeface="Ebrima"/>
+        <a:font script="Olck" typeface="Nirmala UI"/>
+        <a:font script="Osma" typeface="Ebrima"/>
+        <a:font script="Phag" typeface="Phagspa"/>
+        <a:font script="Syrn" typeface="Estrangelo Edessa"/>
+        <a:font script="Syrj" typeface="Estrangelo Edessa"/>
+        <a:font script="Syre" typeface="Estrangelo Edessa"/>
+        <a:font script="Sora" typeface="Nirmala UI"/>
+        <a:font script="Tale" typeface="Microsoft Tai Le"/>
+        <a:font script="Talu" typeface="Microsoft New Tai Lue"/>
+        <a:font script="Tfng" typeface="Ebrima"/>
+      </a:minorFont>
+    </a:fontScheme>
+    <a:fmtScheme name="Office">
+      <a:fillStyleLst>
+        <a:solidFill>
+          <a:schemeClr val="phClr"/>
+        </a:solidFill>
+        <a:gradFill rotWithShape="1">
+          <a:gsLst>
+            <a:gs pos="0">
+              <a:schemeClr val="phClr">
+                <a:lumMod val="110000"/>
+                <a:satMod val="105000"/>
+                <a:tint val="67000"/>
+              </a:schemeClr>
+            </a:gs>
+            <a:gs pos="50000">
+              <a:schemeClr val="phClr">
+                <a:lumMod val="105000"/>
+                <a:satMod val="103000"/>
+                <a:tint val="73000"/>
+              </a:schemeClr>
+            </a:gs>
+            <a:gs pos="100000">
+              <a:schemeClr val="phClr">
+                <a:lumMod val="105000"/>
+                <a:satMod val="109000"/>
+                <a:tint val="81000"/>
+              </a:schemeClr>
+            </a:gs>
+          </a:gsLst>
+          <a:lin ang="5400000" scaled="0"/>
+        </a:gradFill>
+        <a:gradFill rotWithShape="1">
+          <a:gsLst>
+            <a:gs pos="0">
+              <a:schemeClr val="phClr">
+                <a:satMod val="103000"/>
+                <a:lumMod val="102000"/>
+                <a:tint val="94000"/>
+              </a:schemeClr>
+            </a:gs>
+            <a:gs pos="50000">
+              <a:schemeClr val="phClr">
+                <a:satMod val="110000"/>
+                <a:lumMod val="100000"/>
+                <a:shade val="100000"/>
+              </a:schemeClr>
+            </a:gs>
+            <a:gs pos="100000">
+              <a:schemeClr val="phClr">
+                <a:lumMod val="99000"/>
+                <a:satMod val="120000"/>
+                <a:shade val="78000"/>
+              </a:schemeClr>
+            </a:gs>
+          </a:gsLst>
+          <a:lin ang="5400000" scaled="0"/>
+        </a:gradFill>
+      </a:fillStyleLst>
+      <a:lnStyleLst>
+        <a:ln w="6350" cap="flat" cmpd="sng" algn="ctr">
+          <a:solidFill>
+            <a:schemeClr val="phClr"/>
+          </a:solidFill>
+          <a:prstDash val="solid"/>
+          <a:miter lim="800000"/>
+        </a:ln>
+        <a:ln w="12700" cap="flat" cmpd="sng" algn="ctr">
+          <a:solidFill>
+            <a:schemeClr val="phClr"/>
+          </a:solidFill>
+          <a:prstDash val="solid"/>
+          <a:miter lim="800000"/>
+        </a:ln>
+        <a:ln w="19050" cap="flat" cmpd="sng" algn="ctr">
+          <a:solidFill>
+            <a:schemeClr val="phClr"/>
+          </a:solidFill>
+          <a:prstDash val="solid"/>
+          <a:miter lim="800000"/>
+        </a:ln>
+      </a:lnStyleLst>
+      <a:effectStyleLst>
+        <a:effectStyle>
+          <a:effectLst/>
+        </a:effectStyle>
+        <a:effectStyle>
+          <a:effectLst/>
+        </a:effectStyle>
+        <a:effectStyle>
+          <a:effectLst>
+            <a:outerShdw blurRad="57150" dist="19050" dir="5400000" algn="ctr" rotWithShape="0">
+              <a:srgbClr val="000000">
+                <a:alpha val="63000"/>
+              </a:srgbClr>
+            </a:outerShdw>
+          </a:effectLst>
+        </a:effectStyle>
+      </a:effectStyleLst>
+      <a:bgFillStyleLst>
+        <a:solidFill>
+          <a:schemeClr val="phClr"/>
+        </a:solidFill>
+        <a:solidFill>
+          <a:schemeClr val="phClr">
+            <a:tint val="95000"/>
+            <a:satMod val="170000"/>
+          </a:schemeClr>
+        </a:solidFill>
+        <a:gradFill rotWithShape="1">
+          <a:gsLst>
+            <a:gs pos="0">
+              <a:schemeClr val="phClr">
+                <a:tint val="93000"/>
+                <a:satMod val="150000"/>
+                <a:shade val="98000"/>
+                <a:lumMod val="102000"/>
+              </a:schemeClr>
+            </a:gs>
+            <a:gs pos="50000">
+              <a:schemeClr val="phClr">
+                <a:tint val="98000"/>
+                <a:satMod val="130000"/>
+                <a:shade val="90000"/>
+                <a:lumMod val="103000"/>
+              </a:schemeClr>
+            </a:gs>
+            <a:gs pos="100000">
+              <a:schemeClr val="phClr">
+                <a:shade val="63000"/>
+                <a:satMod val="120000"/>
+              </a:schemeClr>
+            </a:gs>
+          </a:gsLst>
+          <a:lin ang="5400000" scaled="0"/>
+        </a:gradFill>
+      </a:bgFillStyleLst>
+    </a:fmtScheme>
+  </a:themeElements>
+  <a:objectDefaults/>
+  <a:extraClrSchemeLst/>
+  <a:extLst>
+    <a:ext uri="{05A4C25C-085E-4340-85A3-A5531E510DB2}">
+      <thm15:themeFamily xmlns:thm15="http://schemas.microsoft.com/office/thememl/2012/main" name="Office Theme" id="{62F939B6-93AF-4DB8-9C6B-D6C7DFDC589F}" vid="{4A3C46E8-61CC-4603-A589-7422A47A8E4A}"/>
+    </a:ext>
+  </a:extLst>
+</a:theme>
 </file>